--- a/Lab1Tutorial.pptx
+++ b/Lab1Tutorial.pptx
@@ -5,7 +5,7 @@
     <p:sldMasterId id="2147483648" r:id="rId1"/>
   </p:sldMasterIdLst>
   <p:notesMasterIdLst>
-    <p:notesMasterId r:id="rId10"/>
+    <p:notesMasterId r:id="rId11"/>
   </p:notesMasterIdLst>
   <p:sldIdLst>
     <p:sldId id="256" r:id="rId2"/>
@@ -13,9 +13,10 @@
     <p:sldId id="261" r:id="rId4"/>
     <p:sldId id="260" r:id="rId5"/>
     <p:sldId id="259" r:id="rId6"/>
-    <p:sldId id="262" r:id="rId7"/>
-    <p:sldId id="265" r:id="rId8"/>
-    <p:sldId id="263" r:id="rId9"/>
+    <p:sldId id="266" r:id="rId7"/>
+    <p:sldId id="262" r:id="rId8"/>
+    <p:sldId id="265" r:id="rId9"/>
+    <p:sldId id="263" r:id="rId10"/>
   </p:sldIdLst>
   <p:sldSz cx="12192000" cy="6858000"/>
   <p:notesSz cx="6858000" cy="9144000"/>
@@ -114,6 +115,11 @@
       </a:defRPr>
     </a:lvl9pPr>
   </p:defaultTextStyle>
+  <p:extLst>
+    <p:ext uri="{EFAFB233-063F-42B5-8137-9DF3F51BA10A}">
+      <p15:sldGuideLst xmlns:p15="http://schemas.microsoft.com/office/powerpoint/2012/main"/>
+    </p:ext>
+  </p:extLst>
 </p:presentation>
 </file>
 
@@ -595,98 +601,6 @@
           <a:bodyPr/>
           <a:lstStyle/>
           <a:p>
-            <a:r>
-              <a:rPr lang="en-AT" dirty="0"/>
-              <a:t>Generally you start top down. You take the higher level concepts and then go deeper into each concepts by adding more details into each concept. For e.g., Factory and item. And then go deeper into adding more properties into items</a:t>
-            </a:r>
-          </a:p>
-          <a:p>
-            <a:endParaRPr lang="en-AT" dirty="0"/>
-          </a:p>
-          <a:p>
-            <a:r>
-              <a:rPr lang="en-AT" dirty="0"/>
-              <a:t>Questions – </a:t>
-            </a:r>
-          </a:p>
-          <a:p>
-            <a:pPr marL="228600" indent="-228600">
-              <a:buAutoNum type="arabicPeriod"/>
-            </a:pPr>
-            <a:r>
-              <a:rPr lang="en-AT" dirty="0"/>
-              <a:t>Why do we not have a reference relation instead of supertype relation between Item and ComplexItem or SimpleItem?</a:t>
-            </a:r>
-          </a:p>
-          <a:p>
-            <a:pPr marL="228600" indent="-228600">
-              <a:buAutoNum type="arabicPeriod"/>
-            </a:pPr>
-            <a:r>
-              <a:rPr lang="en-AT" dirty="0"/>
-              <a:t>What happens if do not consider item as an abstract class?</a:t>
-            </a:r>
-          </a:p>
-          <a:p>
-            <a:pPr marL="228600" indent="-228600">
-              <a:buAutoNum type="arabicPeriod"/>
-            </a:pPr>
-            <a:r>
-              <a:rPr lang="en-AT" dirty="0"/>
-              <a:t>Pros and cons of Enum Vs String?</a:t>
-            </a:r>
-          </a:p>
-          <a:p>
-            <a:pPr marL="228600" marR="0" lvl="0" indent="-228600" algn="l" defTabSz="914400" rtl="0" eaLnBrk="1" fontAlgn="auto" latinLnBrk="0" hangingPunct="1">
-              <a:lnSpc>
-                <a:spcPct val="100000"/>
-              </a:lnSpc>
-              <a:spcBef>
-                <a:spcPts val="0"/>
-              </a:spcBef>
-              <a:spcAft>
-                <a:spcPts val="0"/>
-              </a:spcAft>
-              <a:buClrTx/>
-              <a:buSzTx/>
-              <a:buFontTx/>
-              <a:buAutoNum type="arabicPeriod"/>
-              <a:tabLst/>
-              <a:defRPr/>
-            </a:pPr>
-            <a:r>
-              <a:rPr lang="en-AT" dirty="0"/>
-              <a:t>Can I create an enum with shape Cylinder and Block and add that in the shape?</a:t>
-            </a:r>
-          </a:p>
-          <a:p>
-            <a:pPr marL="228600" indent="-228600">
-              <a:buAutoNum type="arabicPeriod"/>
-            </a:pPr>
-            <a:r>
-              <a:rPr lang="en-AT" dirty="0"/>
-              <a:t>Can I create an enum for color?</a:t>
-            </a:r>
-          </a:p>
-          <a:p>
-            <a:pPr marL="228600" indent="-228600">
-              <a:buAutoNum type="arabicPeriod"/>
-            </a:pPr>
-            <a:r>
-              <a:rPr lang="en-AT" dirty="0"/>
-              <a:t>Why is the relation between component and item a reference and not any other?</a:t>
-            </a:r>
-          </a:p>
-          <a:p>
-            <a:pPr marL="228600" indent="-228600">
-              <a:buAutoNum type="arabicPeriod"/>
-            </a:pPr>
-            <a:r>
-              <a:rPr lang="en-AT" dirty="0"/>
-              <a:t>Can I add an attribute in the concrete class with the same name as the attribute of an abstract class?</a:t>
-            </a:r>
-          </a:p>
-          <a:p>
             <a:endParaRPr lang="en-AT" dirty="0"/>
           </a:p>
         </p:txBody>
@@ -771,10 +685,7 @@
           <a:bodyPr/>
           <a:lstStyle/>
           <a:p>
-            <a:r>
-              <a:rPr lang="en-AT" dirty="0"/>
-              <a:t>On creating an instance we get only the concrete classes as children and not abstract. Why?</a:t>
-            </a:r>
+            <a:endParaRPr lang="en-AT" dirty="0"/>
           </a:p>
         </p:txBody>
       </p:sp>
@@ -5663,7 +5574,7 @@
           <p:cNvPr id="2" name="Title 1">
             <a:extLst>
               <a:ext uri="{FF2B5EF4-FFF2-40B4-BE49-F238E27FC236}">
-                <a16:creationId xmlns:a16="http://schemas.microsoft.com/office/drawing/2014/main" id="{8BD88BA7-A79A-7A4A-5278-1A26B5AF4C24}"/>
+                <a16:creationId xmlns:a16="http://schemas.microsoft.com/office/drawing/2014/main" id="{F704B921-C8AC-47F4-1001-7ABEFCB7A546}"/>
               </a:ext>
             </a:extLst>
           </p:cNvPr>
@@ -5681,7 +5592,7 @@
           <a:p>
             <a:r>
               <a:rPr lang="en-AT" dirty="0"/>
-              <a:t>Requirements – Modeling the connections</a:t>
+              <a:t>Questions to think about?</a:t>
             </a:r>
           </a:p>
         </p:txBody>
@@ -5691,7 +5602,7 @@
           <p:cNvPr id="3" name="Content Placeholder 2">
             <a:extLst>
               <a:ext uri="{FF2B5EF4-FFF2-40B4-BE49-F238E27FC236}">
-                <a16:creationId xmlns:a16="http://schemas.microsoft.com/office/drawing/2014/main" id="{04FA8E91-441F-6F36-4D6D-3C48BC6C747D}"/>
+                <a16:creationId xmlns:a16="http://schemas.microsoft.com/office/drawing/2014/main" id="{85CB272B-98BE-67B5-E073-91D96FCFE5A6}"/>
               </a:ext>
             </a:extLst>
           </p:cNvPr>
@@ -5702,49 +5613,93 @@
             <p:ph idx="1"/>
           </p:nvPr>
         </p:nvSpPr>
-        <p:spPr>
-          <a:xfrm>
-            <a:off x="838200" y="1825625"/>
-            <a:ext cx="10515600" cy="2063204"/>
-          </a:xfrm>
-        </p:spPr>
+        <p:spPr/>
         <p:txBody>
           <a:bodyPr>
             <a:normAutofit lnSpcReduction="10000"/>
           </a:bodyPr>
           <a:lstStyle/>
           <a:p>
-            <a:r>
-              <a:rPr lang="en-AT" dirty="0"/>
-              <a:t>Each complex item has components and item connections</a:t>
-            </a:r>
-            <a:r>
-              <a:rPr lang="en-AT" b="1" dirty="0"/>
-              <a:t> </a:t>
-            </a:r>
-            <a:r>
-              <a:rPr lang="en-AT" dirty="0"/>
-              <a:t>where each item connection connects two components</a:t>
-            </a:r>
-          </a:p>
-          <a:p>
-            <a:r>
-              <a:rPr lang="en-AT" dirty="0"/>
-              <a:t>Each item has a marker which is a designated location at which another component can connect with it</a:t>
-            </a:r>
-          </a:p>
-          <a:p>
-            <a:r>
-              <a:rPr lang="en-AT" dirty="0"/>
-              <a:t>Each marker has a name</a:t>
-            </a:r>
+            <a:endParaRPr lang="en-AT" dirty="0"/>
+          </a:p>
+          <a:p>
+            <a:pPr marL="228600" indent="-228600">
+              <a:buAutoNum type="arabicPeriod"/>
+            </a:pPr>
+            <a:r>
+              <a:rPr lang="en-AT" dirty="0"/>
+              <a:t>Why do we not have a reference relation instead of supertype relation between Item and ComplexItem or SimpleItem?</a:t>
+            </a:r>
+          </a:p>
+          <a:p>
+            <a:pPr marL="228600" indent="-228600">
+              <a:buAutoNum type="arabicPeriod"/>
+            </a:pPr>
+            <a:r>
+              <a:rPr lang="en-AT" dirty="0"/>
+              <a:t>What happens if do not consider item as an abstract class?</a:t>
+            </a:r>
+          </a:p>
+          <a:p>
+            <a:pPr marL="228600" indent="-228600">
+              <a:buAutoNum type="arabicPeriod"/>
+            </a:pPr>
+            <a:r>
+              <a:rPr lang="en-AT" dirty="0"/>
+              <a:t>Pros and cons of Enum Vs PrimitiveDatatype?</a:t>
+            </a:r>
+          </a:p>
+          <a:p>
+            <a:pPr lvl="1">
+              <a:lnSpc>
+                <a:spcPct val="100000"/>
+              </a:lnSpc>
+              <a:spcBef>
+                <a:spcPts val="0"/>
+              </a:spcBef>
+              <a:buFontTx/>
+              <a:buAutoNum type="arabicPeriod"/>
+              <a:defRPr/>
+            </a:pPr>
+            <a:r>
+              <a:rPr lang="en-AT" dirty="0"/>
+              <a:t>Can I create an enum with shape Cylinder and Block and add that in the shape? What are the benefits and drawbacks of that?</a:t>
+            </a:r>
+          </a:p>
+          <a:p>
+            <a:pPr lvl="1">
+              <a:buFont typeface="Arial" panose="020B0604020202020204" pitchFamily="34" charset="0"/>
+              <a:buAutoNum type="arabicPeriod"/>
+            </a:pPr>
+            <a:r>
+              <a:rPr lang="en-AT" dirty="0"/>
+              <a:t>Can I create an enum for color? What are the benefits and drawbacks of that?</a:t>
+            </a:r>
+          </a:p>
+          <a:p>
+            <a:pPr marL="228600" indent="-228600">
+              <a:buAutoNum type="arabicPeriod"/>
+            </a:pPr>
+            <a:r>
+              <a:rPr lang="en-AT" dirty="0"/>
+              <a:t>Why is the relation between component and item a reference and not any other? What will be the implications of other relation types?</a:t>
+            </a:r>
+          </a:p>
+          <a:p>
+            <a:endParaRPr lang="en-AT" dirty="0"/>
+          </a:p>
+          <a:p>
+            <a:endParaRPr lang="en-AT" dirty="0"/>
+          </a:p>
+          <a:p>
+            <a:endParaRPr lang="en-AT" dirty="0"/>
           </a:p>
         </p:txBody>
       </p:sp>
     </p:spTree>
     <p:extLst>
       <p:ext uri="{BB962C8B-B14F-4D97-AF65-F5344CB8AC3E}">
-        <p14:creationId xmlns:p14="http://schemas.microsoft.com/office/powerpoint/2010/main" val="3078459826"/>
+        <p14:creationId xmlns:p14="http://schemas.microsoft.com/office/powerpoint/2010/main" val="898742484"/>
       </p:ext>
     </p:extLst>
   </p:cSld>
@@ -5794,7 +5749,7 @@
           <a:p>
             <a:r>
               <a:rPr lang="en-AT" dirty="0"/>
-              <a:t>Requirements – Modeling the connections</a:t>
+              <a:t>Further Requirements – Modeling the connections</a:t>
             </a:r>
           </a:p>
         </p:txBody>
@@ -5829,67 +5784,27 @@
           <a:p>
             <a:r>
               <a:rPr lang="en-AT" dirty="0"/>
-              <a:t>Each </a:t>
+              <a:t>Each complex item has components and item connections</a:t>
             </a:r>
             <a:r>
               <a:rPr lang="en-AT" b="1" dirty="0"/>
-              <a:t>complex item</a:t>
-            </a:r>
-            <a:r>
-              <a:rPr lang="en-AT" dirty="0"/>
-              <a:t> has </a:t>
-            </a:r>
-            <a:r>
-              <a:rPr lang="en-AT" b="1" dirty="0"/>
-              <a:t>components</a:t>
-            </a:r>
-            <a:r>
-              <a:rPr lang="en-AT" dirty="0"/>
-              <a:t> and item </a:t>
-            </a:r>
-            <a:r>
-              <a:rPr lang="en-AT" b="1" dirty="0"/>
-              <a:t>connections </a:t>
-            </a:r>
-            <a:r>
-              <a:rPr lang="en-AT" dirty="0"/>
-              <a:t>where each item connection connects </a:t>
-            </a:r>
-            <a:r>
-              <a:rPr lang="en-AT" b="1" dirty="0"/>
-              <a:t>two</a:t>
-            </a:r>
-            <a:r>
-              <a:rPr lang="en-AT" dirty="0"/>
-              <a:t> components</a:t>
-            </a:r>
-          </a:p>
-          <a:p>
-            <a:r>
-              <a:rPr lang="en-AT" dirty="0"/>
-              <a:t>Each item has a </a:t>
-            </a:r>
-            <a:r>
-              <a:rPr lang="en-AT" b="1" dirty="0"/>
-              <a:t>marker</a:t>
-            </a:r>
-            <a:r>
-              <a:rPr lang="en-AT" dirty="0"/>
-              <a:t> which is a designated point on the component at which another component can connect </a:t>
-            </a:r>
-          </a:p>
-          <a:p>
-            <a:r>
-              <a:rPr lang="en-AT" dirty="0"/>
-              <a:t>Each </a:t>
-            </a:r>
-            <a:r>
-              <a:rPr lang="en-AT" b="1" dirty="0"/>
-              <a:t>marker</a:t>
-            </a:r>
-            <a:r>
-              <a:rPr lang="en-AT" dirty="0"/>
-              <a:t> has a name</a:t>
+              <a:t> </a:t>
+            </a:r>
+            <a:r>
+              <a:rPr lang="en-AT" dirty="0"/>
+              <a:t>where each item connection connects two components</a:t>
+            </a:r>
+          </a:p>
+          <a:p>
+            <a:r>
+              <a:rPr lang="en-AT" dirty="0"/>
+              <a:t>Each item has a marker which is a designated location at which another component can connect with it</a:t>
+            </a:r>
+          </a:p>
+          <a:p>
+            <a:r>
+              <a:rPr lang="en-AT" dirty="0"/>
+              <a:t>Each marker has a name</a:t>
             </a:r>
           </a:p>
         </p:txBody>
@@ -5897,7 +5812,7 @@
     </p:spTree>
     <p:extLst>
       <p:ext uri="{BB962C8B-B14F-4D97-AF65-F5344CB8AC3E}">
-        <p14:creationId xmlns:p14="http://schemas.microsoft.com/office/powerpoint/2010/main" val="3337470665"/>
+        <p14:creationId xmlns:p14="http://schemas.microsoft.com/office/powerpoint/2010/main" val="3078459826"/>
       </p:ext>
     </p:extLst>
   </p:cSld>
@@ -5926,6 +5841,155 @@
       </p:grpSpPr>
       <p:sp>
         <p:nvSpPr>
+          <p:cNvPr id="2" name="Title 1">
+            <a:extLst>
+              <a:ext uri="{FF2B5EF4-FFF2-40B4-BE49-F238E27FC236}">
+                <a16:creationId xmlns:a16="http://schemas.microsoft.com/office/drawing/2014/main" id="{8BD88BA7-A79A-7A4A-5278-1A26B5AF4C24}"/>
+              </a:ext>
+            </a:extLst>
+          </p:cNvPr>
+          <p:cNvSpPr>
+            <a:spLocks noGrp="1"/>
+          </p:cNvSpPr>
+          <p:nvPr>
+            <p:ph type="title"/>
+          </p:nvPr>
+        </p:nvSpPr>
+        <p:spPr/>
+        <p:txBody>
+          <a:bodyPr/>
+          <a:lstStyle/>
+          <a:p>
+            <a:r>
+              <a:rPr lang="en-AT"/>
+              <a:t>Further Requirements </a:t>
+            </a:r>
+            <a:r>
+              <a:rPr lang="en-AT" dirty="0"/>
+              <a:t>– Modeling the connections</a:t>
+            </a:r>
+          </a:p>
+        </p:txBody>
+      </p:sp>
+      <p:sp>
+        <p:nvSpPr>
+          <p:cNvPr id="3" name="Content Placeholder 2">
+            <a:extLst>
+              <a:ext uri="{FF2B5EF4-FFF2-40B4-BE49-F238E27FC236}">
+                <a16:creationId xmlns:a16="http://schemas.microsoft.com/office/drawing/2014/main" id="{04FA8E91-441F-6F36-4D6D-3C48BC6C747D}"/>
+              </a:ext>
+            </a:extLst>
+          </p:cNvPr>
+          <p:cNvSpPr>
+            <a:spLocks noGrp="1"/>
+          </p:cNvSpPr>
+          <p:nvPr>
+            <p:ph idx="1"/>
+          </p:nvPr>
+        </p:nvSpPr>
+        <p:spPr>
+          <a:xfrm>
+            <a:off x="838200" y="1825625"/>
+            <a:ext cx="10515600" cy="2063204"/>
+          </a:xfrm>
+        </p:spPr>
+        <p:txBody>
+          <a:bodyPr>
+            <a:normAutofit lnSpcReduction="10000"/>
+          </a:bodyPr>
+          <a:lstStyle/>
+          <a:p>
+            <a:r>
+              <a:rPr lang="en-AT" dirty="0"/>
+              <a:t>Each complex item has </a:t>
+            </a:r>
+            <a:r>
+              <a:rPr lang="en-AT" b="1" dirty="0"/>
+              <a:t>components</a:t>
+            </a:r>
+            <a:r>
+              <a:rPr lang="en-AT" dirty="0"/>
+              <a:t> and item </a:t>
+            </a:r>
+            <a:r>
+              <a:rPr lang="en-AT" b="1" dirty="0"/>
+              <a:t>connections </a:t>
+            </a:r>
+            <a:r>
+              <a:rPr lang="en-AT" dirty="0"/>
+              <a:t>where each item connection connects </a:t>
+            </a:r>
+            <a:r>
+              <a:rPr lang="en-AT" b="1" dirty="0"/>
+              <a:t>two</a:t>
+            </a:r>
+            <a:r>
+              <a:rPr lang="en-AT" dirty="0"/>
+              <a:t> components</a:t>
+            </a:r>
+          </a:p>
+          <a:p>
+            <a:r>
+              <a:rPr lang="en-AT" dirty="0"/>
+              <a:t>Each item has a </a:t>
+            </a:r>
+            <a:r>
+              <a:rPr lang="en-AT" b="1" dirty="0"/>
+              <a:t>marker</a:t>
+            </a:r>
+            <a:r>
+              <a:rPr lang="en-AT" dirty="0"/>
+              <a:t> which is a designated point on the component at which another component can connect </a:t>
+            </a:r>
+          </a:p>
+          <a:p>
+            <a:r>
+              <a:rPr lang="en-AT" dirty="0"/>
+              <a:t>Each </a:t>
+            </a:r>
+            <a:r>
+              <a:rPr lang="en-AT" b="1" dirty="0"/>
+              <a:t>marker</a:t>
+            </a:r>
+            <a:r>
+              <a:rPr lang="en-AT" dirty="0"/>
+              <a:t> has a name</a:t>
+            </a:r>
+          </a:p>
+        </p:txBody>
+      </p:sp>
+    </p:spTree>
+    <p:extLst>
+      <p:ext uri="{BB962C8B-B14F-4D97-AF65-F5344CB8AC3E}">
+        <p14:creationId xmlns:p14="http://schemas.microsoft.com/office/powerpoint/2010/main" val="3337470665"/>
+      </p:ext>
+    </p:extLst>
+  </p:cSld>
+  <p:clrMapOvr>
+    <a:masterClrMapping/>
+  </p:clrMapOvr>
+</p:sld>
+</file>
+
+<file path=ppt/slides/slide9.xml><?xml version="1.0" encoding="utf-8"?>
+<p:sld xmlns:a="http://schemas.openxmlformats.org/drawingml/2006/main" xmlns:r="http://schemas.openxmlformats.org/officeDocument/2006/relationships" xmlns:p="http://schemas.openxmlformats.org/presentationml/2006/main">
+  <p:cSld>
+    <p:spTree>
+      <p:nvGrpSpPr>
+        <p:cNvPr id="1" name=""/>
+        <p:cNvGrpSpPr/>
+        <p:nvPr/>
+      </p:nvGrpSpPr>
+      <p:grpSpPr>
+        <a:xfrm>
+          <a:off x="0" y="0"/>
+          <a:ext cx="0" cy="0"/>
+          <a:chOff x="0" y="0"/>
+          <a:chExt cx="0" cy="0"/>
+        </a:xfrm>
+      </p:grpSpPr>
+      <p:sp>
+        <p:nvSpPr>
           <p:cNvPr id="4" name="Rectangle 3">
             <a:extLst>
               <a:ext uri="{FF2B5EF4-FFF2-40B4-BE49-F238E27FC236}">
@@ -6537,8 +6601,8 @@
         </p:blipFill>
         <p:spPr bwMode="auto">
           <a:xfrm>
-            <a:off x="3948682" y="4808577"/>
-            <a:ext cx="463959" cy="1048938"/>
+            <a:off x="3656193" y="4786141"/>
+            <a:ext cx="1048938" cy="1048938"/>
           </a:xfrm>
           <a:prstGeom prst="rect">
             <a:avLst/>
@@ -6631,8 +6695,8 @@
         </p:blipFill>
         <p:spPr bwMode="auto">
           <a:xfrm flipH="1">
-            <a:off x="8083791" y="4936833"/>
-            <a:ext cx="529171" cy="212232"/>
+            <a:off x="7849842" y="4913619"/>
+            <a:ext cx="838856" cy="838856"/>
           </a:xfrm>
           <a:prstGeom prst="rect">
             <a:avLst/>
@@ -6824,7 +6888,6 @@
           </p:cNvPr>
           <p:cNvCxnSpPr>
             <a:cxnSpLocks/>
-            <a:stCxn id="25" idx="0"/>
             <a:endCxn id="4" idx="2"/>
           </p:cNvCxnSpPr>
           <p:nvPr/>
@@ -6832,7 +6895,7 @@
         <p:spPr>
           <a:xfrm flipH="1" flipV="1">
             <a:off x="4168560" y="3510455"/>
-            <a:ext cx="12102" cy="1275686"/>
+            <a:ext cx="12102" cy="1403164"/>
           </a:xfrm>
           <a:prstGeom prst="straightConnector1">
             <a:avLst/>
@@ -6932,8 +6995,8 @@
         </p:blipFill>
         <p:spPr bwMode="auto">
           <a:xfrm>
-            <a:off x="4024349" y="4786141"/>
-            <a:ext cx="312626" cy="312626"/>
+            <a:off x="3973465" y="4684374"/>
+            <a:ext cx="414393" cy="414393"/>
           </a:xfrm>
           <a:prstGeom prst="rect">
             <a:avLst/>
@@ -6979,8 +7042,8 @@
         </p:blipFill>
         <p:spPr bwMode="auto">
           <a:xfrm>
-            <a:off x="7868969" y="4896654"/>
-            <a:ext cx="278311" cy="278311"/>
+            <a:off x="7726373" y="5125850"/>
+            <a:ext cx="414393" cy="414393"/>
           </a:xfrm>
           <a:prstGeom prst="rect">
             <a:avLst/>
@@ -7006,17 +7069,13 @@
               </a:ext>
             </a:extLst>
           </p:cNvPr>
-          <p:cNvCxnSpPr>
-            <a:cxnSpLocks/>
-            <a:stCxn id="25" idx="3"/>
-            <a:endCxn id="26" idx="1"/>
-          </p:cNvCxnSpPr>
+          <p:cNvCxnSpPr/>
           <p:nvPr/>
         </p:nvCxnSpPr>
         <p:spPr>
           <a:xfrm>
-            <a:off x="4336975" y="4942454"/>
-            <a:ext cx="3531994" cy="93356"/>
+            <a:off x="4267200" y="4891570"/>
+            <a:ext cx="3666369" cy="441476"/>
           </a:xfrm>
           <a:prstGeom prst="line">
             <a:avLst/>
